--- a/Basic flow.pptx
+++ b/Basic flow.pptx
@@ -6,11 +6,7 @@
   </p:sldMasterIdLst>
   <p:sldIdLst>
     <p:sldId id="256" r:id="rId2"/>
-    <p:sldId id="260" r:id="rId3"/>
-    <p:sldId id="258" r:id="rId4"/>
-    <p:sldId id="259" r:id="rId5"/>
-    <p:sldId id="261" r:id="rId6"/>
-    <p:sldId id="262" r:id="rId7"/>
+    <p:sldId id="258" r:id="rId3"/>
   </p:sldIdLst>
   <p:sldSz cx="12192000" cy="6858000"/>
   <p:notesSz cx="6858000" cy="9144000"/>
@@ -264,7 +260,7 @@
           <a:p>
             <a:fld id="{0D6B80C9-3EC0-4688-ABAD-E53253DF7D1F}" type="datetimeFigureOut">
               <a:rPr lang="en-US" smtClean="0"/>
-              <a:t>2022-07-16</a:t>
+              <a:t>2022-07-19</a:t>
             </a:fld>
             <a:endParaRPr lang="en-US"/>
           </a:p>
@@ -462,7 +458,7 @@
           <a:p>
             <a:fld id="{0D6B80C9-3EC0-4688-ABAD-E53253DF7D1F}" type="datetimeFigureOut">
               <a:rPr lang="en-US" smtClean="0"/>
-              <a:t>2022-07-16</a:t>
+              <a:t>2022-07-19</a:t>
             </a:fld>
             <a:endParaRPr lang="en-US"/>
           </a:p>
@@ -670,7 +666,7 @@
           <a:p>
             <a:fld id="{0D6B80C9-3EC0-4688-ABAD-E53253DF7D1F}" type="datetimeFigureOut">
               <a:rPr lang="en-US" smtClean="0"/>
-              <a:t>2022-07-16</a:t>
+              <a:t>2022-07-19</a:t>
             </a:fld>
             <a:endParaRPr lang="en-US"/>
           </a:p>
@@ -868,7 +864,7 @@
           <a:p>
             <a:fld id="{0D6B80C9-3EC0-4688-ABAD-E53253DF7D1F}" type="datetimeFigureOut">
               <a:rPr lang="en-US" smtClean="0"/>
-              <a:t>2022-07-16</a:t>
+              <a:t>2022-07-19</a:t>
             </a:fld>
             <a:endParaRPr lang="en-US"/>
           </a:p>
@@ -1143,7 +1139,7 @@
           <a:p>
             <a:fld id="{0D6B80C9-3EC0-4688-ABAD-E53253DF7D1F}" type="datetimeFigureOut">
               <a:rPr lang="en-US" smtClean="0"/>
-              <a:t>2022-07-16</a:t>
+              <a:t>2022-07-19</a:t>
             </a:fld>
             <a:endParaRPr lang="en-US"/>
           </a:p>
@@ -1408,7 +1404,7 @@
           <a:p>
             <a:fld id="{0D6B80C9-3EC0-4688-ABAD-E53253DF7D1F}" type="datetimeFigureOut">
               <a:rPr lang="en-US" smtClean="0"/>
-              <a:t>2022-07-16</a:t>
+              <a:t>2022-07-19</a:t>
             </a:fld>
             <a:endParaRPr lang="en-US"/>
           </a:p>
@@ -1820,7 +1816,7 @@
           <a:p>
             <a:fld id="{0D6B80C9-3EC0-4688-ABAD-E53253DF7D1F}" type="datetimeFigureOut">
               <a:rPr lang="en-US" smtClean="0"/>
-              <a:t>2022-07-16</a:t>
+              <a:t>2022-07-19</a:t>
             </a:fld>
             <a:endParaRPr lang="en-US"/>
           </a:p>
@@ -1961,7 +1957,7 @@
           <a:p>
             <a:fld id="{0D6B80C9-3EC0-4688-ABAD-E53253DF7D1F}" type="datetimeFigureOut">
               <a:rPr lang="en-US" smtClean="0"/>
-              <a:t>2022-07-16</a:t>
+              <a:t>2022-07-19</a:t>
             </a:fld>
             <a:endParaRPr lang="en-US"/>
           </a:p>
@@ -2074,7 +2070,7 @@
           <a:p>
             <a:fld id="{0D6B80C9-3EC0-4688-ABAD-E53253DF7D1F}" type="datetimeFigureOut">
               <a:rPr lang="en-US" smtClean="0"/>
-              <a:t>2022-07-16</a:t>
+              <a:t>2022-07-19</a:t>
             </a:fld>
             <a:endParaRPr lang="en-US"/>
           </a:p>
@@ -2385,7 +2381,7 @@
           <a:p>
             <a:fld id="{0D6B80C9-3EC0-4688-ABAD-E53253DF7D1F}" type="datetimeFigureOut">
               <a:rPr lang="en-US" smtClean="0"/>
-              <a:t>2022-07-16</a:t>
+              <a:t>2022-07-19</a:t>
             </a:fld>
             <a:endParaRPr lang="en-US"/>
           </a:p>
@@ -2673,7 +2669,7 @@
           <a:p>
             <a:fld id="{0D6B80C9-3EC0-4688-ABAD-E53253DF7D1F}" type="datetimeFigureOut">
               <a:rPr lang="en-US" smtClean="0"/>
-              <a:t>2022-07-16</a:t>
+              <a:t>2022-07-19</a:t>
             </a:fld>
             <a:endParaRPr lang="en-US"/>
           </a:p>
@@ -2914,7 +2910,7 @@
           <a:p>
             <a:fld id="{0D6B80C9-3EC0-4688-ABAD-E53253DF7D1F}" type="datetimeFigureOut">
               <a:rPr lang="en-US" smtClean="0"/>
-              <a:t>2022-07-16</a:t>
+              <a:t>2022-07-19</a:t>
             </a:fld>
             <a:endParaRPr lang="en-US"/>
           </a:p>
@@ -5021,66 +5017,6 @@
           <a:chExt cx="0" cy="0"/>
         </a:xfrm>
       </p:grpSpPr>
-      <p:pic>
-        <p:nvPicPr>
-          <p:cNvPr id="5" name="Picture 4">
-            <a:extLst>
-              <a:ext uri="{FF2B5EF4-FFF2-40B4-BE49-F238E27FC236}">
-                <a16:creationId xmlns:a16="http://schemas.microsoft.com/office/drawing/2014/main" id="{1FE30816-A950-4BFE-8CE5-CF96573F5DC6}"/>
-              </a:ext>
-            </a:extLst>
-          </p:cNvPr>
-          <p:cNvPicPr>
-            <a:picLocks noChangeAspect="1"/>
-          </p:cNvPicPr>
-          <p:nvPr/>
-        </p:nvPicPr>
-        <p:blipFill>
-          <a:blip r:embed="rId2"/>
-          <a:stretch>
-            <a:fillRect/>
-          </a:stretch>
-        </p:blipFill>
-        <p:spPr>
-          <a:xfrm>
-            <a:off x="4096867" y="110685"/>
-            <a:ext cx="8010911" cy="4506137"/>
-          </a:xfrm>
-          <a:prstGeom prst="rect">
-            <a:avLst/>
-          </a:prstGeom>
-        </p:spPr>
-      </p:pic>
-    </p:spTree>
-    <p:extLst>
-      <p:ext uri="{BB962C8B-B14F-4D97-AF65-F5344CB8AC3E}">
-        <p14:creationId xmlns:p14="http://schemas.microsoft.com/office/powerpoint/2010/main" val="2673557334"/>
-      </p:ext>
-    </p:extLst>
-  </p:cSld>
-  <p:clrMapOvr>
-    <a:masterClrMapping/>
-  </p:clrMapOvr>
-</p:sld>
-</file>
-
-<file path=ppt/slides/slide3.xml><?xml version="1.0" encoding="utf-8"?>
-<p:sld xmlns:a="http://schemas.openxmlformats.org/drawingml/2006/main" xmlns:r="http://schemas.openxmlformats.org/officeDocument/2006/relationships" xmlns:p="http://schemas.openxmlformats.org/presentationml/2006/main">
-  <p:cSld>
-    <p:spTree>
-      <p:nvGrpSpPr>
-        <p:cNvPr id="1" name=""/>
-        <p:cNvGrpSpPr/>
-        <p:nvPr/>
-      </p:nvGrpSpPr>
-      <p:grpSpPr>
-        <a:xfrm>
-          <a:off x="0" y="0"/>
-          <a:ext cx="0" cy="0"/>
-          <a:chOff x="0" y="0"/>
-          <a:chExt cx="0" cy="0"/>
-        </a:xfrm>
-      </p:grpSpPr>
       <p:sp>
         <p:nvSpPr>
           <p:cNvPr id="2" name="TextBox 1">
@@ -5157,1094 +5093,10 @@
           </a:p>
         </p:txBody>
       </p:sp>
-      <p:pic>
-        <p:nvPicPr>
-          <p:cNvPr id="4" name="Picture 3">
-            <a:extLst>
-              <a:ext uri="{FF2B5EF4-FFF2-40B4-BE49-F238E27FC236}">
-                <a16:creationId xmlns:a16="http://schemas.microsoft.com/office/drawing/2014/main" id="{CBB3D35C-FABD-4732-B24F-5BCFCBD9EC79}"/>
-              </a:ext>
-            </a:extLst>
-          </p:cNvPr>
-          <p:cNvPicPr>
-            <a:picLocks noChangeAspect="1"/>
-          </p:cNvPicPr>
-          <p:nvPr/>
-        </p:nvPicPr>
-        <p:blipFill rotWithShape="1">
-          <a:blip r:embed="rId2"/>
-          <a:srcRect r="38380" b="27059"/>
-          <a:stretch/>
-        </p:blipFill>
-        <p:spPr>
-          <a:xfrm>
-            <a:off x="1235402" y="0"/>
-            <a:ext cx="8267186" cy="6903832"/>
-          </a:xfrm>
-          <a:prstGeom prst="rect">
-            <a:avLst/>
-          </a:prstGeom>
-        </p:spPr>
-      </p:pic>
     </p:spTree>
     <p:extLst>
       <p:ext uri="{BB962C8B-B14F-4D97-AF65-F5344CB8AC3E}">
         <p14:creationId xmlns:p14="http://schemas.microsoft.com/office/powerpoint/2010/main" val="210550368"/>
-      </p:ext>
-    </p:extLst>
-  </p:cSld>
-  <p:clrMapOvr>
-    <a:masterClrMapping/>
-  </p:clrMapOvr>
-</p:sld>
-</file>
-
-<file path=ppt/slides/slide4.xml><?xml version="1.0" encoding="utf-8"?>
-<p:sld xmlns:a="http://schemas.openxmlformats.org/drawingml/2006/main" xmlns:r="http://schemas.openxmlformats.org/officeDocument/2006/relationships" xmlns:p="http://schemas.openxmlformats.org/presentationml/2006/main">
-  <p:cSld>
-    <p:spTree>
-      <p:nvGrpSpPr>
-        <p:cNvPr id="1" name=""/>
-        <p:cNvGrpSpPr/>
-        <p:nvPr/>
-      </p:nvGrpSpPr>
-      <p:grpSpPr>
-        <a:xfrm>
-          <a:off x="0" y="0"/>
-          <a:ext cx="0" cy="0"/>
-          <a:chOff x="0" y="0"/>
-          <a:chExt cx="0" cy="0"/>
-        </a:xfrm>
-      </p:grpSpPr>
-      <p:sp>
-        <p:nvSpPr>
-          <p:cNvPr id="2" name="TextBox 1">
-            <a:extLst>
-              <a:ext uri="{FF2B5EF4-FFF2-40B4-BE49-F238E27FC236}">
-                <a16:creationId xmlns:a16="http://schemas.microsoft.com/office/drawing/2014/main" id="{4AB3B692-7D1D-4E31-921A-240E39D33931}"/>
-              </a:ext>
-            </a:extLst>
-          </p:cNvPr>
-          <p:cNvSpPr txBox="1"/>
-          <p:nvPr/>
-        </p:nvSpPr>
-        <p:spPr>
-          <a:xfrm>
-            <a:off x="968188" y="475129"/>
-            <a:ext cx="1640541" cy="369332"/>
-          </a:xfrm>
-          <a:prstGeom prst="rect">
-            <a:avLst/>
-          </a:prstGeom>
-          <a:noFill/>
-        </p:spPr>
-        <p:txBody>
-          <a:bodyPr wrap="square" rtlCol="0">
-            <a:spAutoFit/>
-          </a:bodyPr>
-          <a:lstStyle/>
-          <a:p>
-            <a:r>
-              <a:rPr lang="en-US" dirty="0"/>
-              <a:t>6 +  sum(6-1)</a:t>
-            </a:r>
-          </a:p>
-        </p:txBody>
-      </p:sp>
-      <p:sp>
-        <p:nvSpPr>
-          <p:cNvPr id="3" name="TextBox 2">
-            <a:extLst>
-              <a:ext uri="{FF2B5EF4-FFF2-40B4-BE49-F238E27FC236}">
-                <a16:creationId xmlns:a16="http://schemas.microsoft.com/office/drawing/2014/main" id="{737FA209-F70E-4E36-B1D8-1DE77E16B9E5}"/>
-              </a:ext>
-            </a:extLst>
-          </p:cNvPr>
-          <p:cNvSpPr txBox="1"/>
-          <p:nvPr/>
-        </p:nvSpPr>
-        <p:spPr>
-          <a:xfrm>
-            <a:off x="1147482" y="1102658"/>
-            <a:ext cx="1640541" cy="369332"/>
-          </a:xfrm>
-          <a:prstGeom prst="rect">
-            <a:avLst/>
-          </a:prstGeom>
-          <a:noFill/>
-        </p:spPr>
-        <p:txBody>
-          <a:bodyPr wrap="square" rtlCol="0">
-            <a:spAutoFit/>
-          </a:bodyPr>
-          <a:lstStyle/>
-          <a:p>
-            <a:r>
-              <a:rPr lang="en-US" dirty="0"/>
-              <a:t>5+  sum(5-1)</a:t>
-            </a:r>
-          </a:p>
-        </p:txBody>
-      </p:sp>
-      <p:sp>
-        <p:nvSpPr>
-          <p:cNvPr id="4" name="TextBox 3">
-            <a:extLst>
-              <a:ext uri="{FF2B5EF4-FFF2-40B4-BE49-F238E27FC236}">
-                <a16:creationId xmlns:a16="http://schemas.microsoft.com/office/drawing/2014/main" id="{30861E1D-BB0F-43DB-89C2-338B382F6430}"/>
-              </a:ext>
-            </a:extLst>
-          </p:cNvPr>
-          <p:cNvSpPr txBox="1"/>
-          <p:nvPr/>
-        </p:nvSpPr>
-        <p:spPr>
-          <a:xfrm>
-            <a:off x="1577788" y="1730187"/>
-            <a:ext cx="1640541" cy="369332"/>
-          </a:xfrm>
-          <a:prstGeom prst="rect">
-            <a:avLst/>
-          </a:prstGeom>
-          <a:noFill/>
-        </p:spPr>
-        <p:txBody>
-          <a:bodyPr wrap="square" rtlCol="0">
-            <a:spAutoFit/>
-          </a:bodyPr>
-          <a:lstStyle/>
-          <a:p>
-            <a:r>
-              <a:rPr lang="en-US" dirty="0"/>
-              <a:t>4 +  sum(4-1)</a:t>
-            </a:r>
-          </a:p>
-        </p:txBody>
-      </p:sp>
-      <p:sp>
-        <p:nvSpPr>
-          <p:cNvPr id="5" name="TextBox 4">
-            <a:extLst>
-              <a:ext uri="{FF2B5EF4-FFF2-40B4-BE49-F238E27FC236}">
-                <a16:creationId xmlns:a16="http://schemas.microsoft.com/office/drawing/2014/main" id="{8B28764E-F82A-4916-BB31-066FCB423D3D}"/>
-              </a:ext>
-            </a:extLst>
-          </p:cNvPr>
-          <p:cNvSpPr txBox="1"/>
-          <p:nvPr/>
-        </p:nvSpPr>
-        <p:spPr>
-          <a:xfrm>
-            <a:off x="1967752" y="2357716"/>
-            <a:ext cx="1640541" cy="369332"/>
-          </a:xfrm>
-          <a:prstGeom prst="rect">
-            <a:avLst/>
-          </a:prstGeom>
-          <a:noFill/>
-        </p:spPr>
-        <p:txBody>
-          <a:bodyPr wrap="square" rtlCol="0">
-            <a:spAutoFit/>
-          </a:bodyPr>
-          <a:lstStyle/>
-          <a:p>
-            <a:r>
-              <a:rPr lang="en-US" dirty="0"/>
-              <a:t>3 +  sum(3-1)</a:t>
-            </a:r>
-          </a:p>
-        </p:txBody>
-      </p:sp>
-      <p:sp>
-        <p:nvSpPr>
-          <p:cNvPr id="6" name="TextBox 5">
-            <a:extLst>
-              <a:ext uri="{FF2B5EF4-FFF2-40B4-BE49-F238E27FC236}">
-                <a16:creationId xmlns:a16="http://schemas.microsoft.com/office/drawing/2014/main" id="{1D52526E-85BE-46D6-8518-778923FC635D}"/>
-              </a:ext>
-            </a:extLst>
-          </p:cNvPr>
-          <p:cNvSpPr txBox="1"/>
-          <p:nvPr/>
-        </p:nvSpPr>
-        <p:spPr>
-          <a:xfrm>
-            <a:off x="2460811" y="2990615"/>
-            <a:ext cx="1640541" cy="369332"/>
-          </a:xfrm>
-          <a:prstGeom prst="rect">
-            <a:avLst/>
-          </a:prstGeom>
-          <a:noFill/>
-        </p:spPr>
-        <p:txBody>
-          <a:bodyPr wrap="square" rtlCol="0">
-            <a:spAutoFit/>
-          </a:bodyPr>
-          <a:lstStyle/>
-          <a:p>
-            <a:r>
-              <a:rPr lang="en-US" dirty="0"/>
-              <a:t>2 +  sum(2-1)</a:t>
-            </a:r>
-          </a:p>
-        </p:txBody>
-      </p:sp>
-      <p:sp>
-        <p:nvSpPr>
-          <p:cNvPr id="7" name="TextBox 6">
-            <a:extLst>
-              <a:ext uri="{FF2B5EF4-FFF2-40B4-BE49-F238E27FC236}">
-                <a16:creationId xmlns:a16="http://schemas.microsoft.com/office/drawing/2014/main" id="{6B551D94-E637-4357-810B-1CB9F4FB1CBC}"/>
-              </a:ext>
-            </a:extLst>
-          </p:cNvPr>
-          <p:cNvSpPr txBox="1"/>
-          <p:nvPr/>
-        </p:nvSpPr>
-        <p:spPr>
-          <a:xfrm>
-            <a:off x="2971799" y="3623514"/>
-            <a:ext cx="1640541" cy="369332"/>
-          </a:xfrm>
-          <a:prstGeom prst="rect">
-            <a:avLst/>
-          </a:prstGeom>
-          <a:noFill/>
-        </p:spPr>
-        <p:txBody>
-          <a:bodyPr wrap="square" rtlCol="0">
-            <a:spAutoFit/>
-          </a:bodyPr>
-          <a:lstStyle/>
-          <a:p>
-            <a:r>
-              <a:rPr lang="en-US" dirty="0"/>
-              <a:t>1 +  sum(1-1)</a:t>
-            </a:r>
-          </a:p>
-        </p:txBody>
-      </p:sp>
-      <p:sp>
-        <p:nvSpPr>
-          <p:cNvPr id="11" name="TextBox 10">
-            <a:extLst>
-              <a:ext uri="{FF2B5EF4-FFF2-40B4-BE49-F238E27FC236}">
-                <a16:creationId xmlns:a16="http://schemas.microsoft.com/office/drawing/2014/main" id="{1095352B-06C5-47F8-B7A0-F4FBEC598876}"/>
-              </a:ext>
-            </a:extLst>
-          </p:cNvPr>
-          <p:cNvSpPr txBox="1"/>
-          <p:nvPr/>
-        </p:nvSpPr>
-        <p:spPr>
-          <a:xfrm>
-            <a:off x="4428563" y="5950744"/>
-            <a:ext cx="1640541" cy="369332"/>
-          </a:xfrm>
-          <a:prstGeom prst="rect">
-            <a:avLst/>
-          </a:prstGeom>
-          <a:noFill/>
-        </p:spPr>
-        <p:txBody>
-          <a:bodyPr wrap="square" rtlCol="0">
-            <a:spAutoFit/>
-          </a:bodyPr>
-          <a:lstStyle/>
-          <a:p>
-            <a:r>
-              <a:rPr lang="en-US" dirty="0"/>
-              <a:t>10 + sum(10+1)</a:t>
-            </a:r>
-          </a:p>
-        </p:txBody>
-      </p:sp>
-      <p:sp>
-        <p:nvSpPr>
-          <p:cNvPr id="12" name="Left Brace 11">
-            <a:extLst>
-              <a:ext uri="{FF2B5EF4-FFF2-40B4-BE49-F238E27FC236}">
-                <a16:creationId xmlns:a16="http://schemas.microsoft.com/office/drawing/2014/main" id="{C8E93A22-7F9F-4329-B59B-AF056515426F}"/>
-              </a:ext>
-            </a:extLst>
-          </p:cNvPr>
-          <p:cNvSpPr/>
-          <p:nvPr/>
-        </p:nvSpPr>
-        <p:spPr>
-          <a:xfrm rot="16200000">
-            <a:off x="1723911" y="462125"/>
-            <a:ext cx="200814" cy="954745"/>
-          </a:xfrm>
-          <a:prstGeom prst="leftBrace">
-            <a:avLst>
-              <a:gd name="adj1" fmla="val 8333"/>
-              <a:gd name="adj2" fmla="val 49441"/>
-            </a:avLst>
-          </a:prstGeom>
-        </p:spPr>
-        <p:style>
-          <a:lnRef idx="1">
-            <a:schemeClr val="accent1"/>
-          </a:lnRef>
-          <a:fillRef idx="0">
-            <a:schemeClr val="accent1"/>
-          </a:fillRef>
-          <a:effectRef idx="0">
-            <a:schemeClr val="accent1"/>
-          </a:effectRef>
-          <a:fontRef idx="minor">
-            <a:schemeClr val="tx1"/>
-          </a:fontRef>
-        </p:style>
-        <p:txBody>
-          <a:bodyPr rtlCol="0" anchor="ctr"/>
-          <a:lstStyle/>
-          <a:p>
-            <a:pPr algn="ctr"/>
-            <a:endParaRPr lang="en-US"/>
-          </a:p>
-        </p:txBody>
-      </p:sp>
-      <p:sp>
-        <p:nvSpPr>
-          <p:cNvPr id="13" name="Left Brace 12">
-            <a:extLst>
-              <a:ext uri="{FF2B5EF4-FFF2-40B4-BE49-F238E27FC236}">
-                <a16:creationId xmlns:a16="http://schemas.microsoft.com/office/drawing/2014/main" id="{A881D45C-1BBE-4E44-B5E7-46F8D772A9CD}"/>
-              </a:ext>
-            </a:extLst>
-          </p:cNvPr>
-          <p:cNvSpPr/>
-          <p:nvPr/>
-        </p:nvSpPr>
-        <p:spPr>
-          <a:xfrm rot="16200000">
-            <a:off x="1954754" y="1057370"/>
-            <a:ext cx="200814" cy="954745"/>
-          </a:xfrm>
-          <a:prstGeom prst="leftBrace">
-            <a:avLst>
-              <a:gd name="adj1" fmla="val 8333"/>
-              <a:gd name="adj2" fmla="val 49441"/>
-            </a:avLst>
-          </a:prstGeom>
-        </p:spPr>
-        <p:style>
-          <a:lnRef idx="1">
-            <a:schemeClr val="accent1"/>
-          </a:lnRef>
-          <a:fillRef idx="0">
-            <a:schemeClr val="accent1"/>
-          </a:fillRef>
-          <a:effectRef idx="0">
-            <a:schemeClr val="accent1"/>
-          </a:effectRef>
-          <a:fontRef idx="minor">
-            <a:schemeClr val="tx1"/>
-          </a:fontRef>
-        </p:style>
-        <p:txBody>
-          <a:bodyPr rtlCol="0" anchor="ctr"/>
-          <a:lstStyle/>
-          <a:p>
-            <a:pPr algn="ctr"/>
-            <a:endParaRPr lang="en-US"/>
-          </a:p>
-        </p:txBody>
-      </p:sp>
-      <p:sp>
-        <p:nvSpPr>
-          <p:cNvPr id="14" name="Left Brace 13">
-            <a:extLst>
-              <a:ext uri="{FF2B5EF4-FFF2-40B4-BE49-F238E27FC236}">
-                <a16:creationId xmlns:a16="http://schemas.microsoft.com/office/drawing/2014/main" id="{E4956E44-C94A-4F9F-A8A9-005C7774642F}"/>
-              </a:ext>
-            </a:extLst>
-          </p:cNvPr>
-          <p:cNvSpPr/>
-          <p:nvPr/>
-        </p:nvSpPr>
-        <p:spPr>
-          <a:xfrm rot="16200000">
-            <a:off x="2394020" y="1709109"/>
-            <a:ext cx="200814" cy="954745"/>
-          </a:xfrm>
-          <a:prstGeom prst="leftBrace">
-            <a:avLst>
-              <a:gd name="adj1" fmla="val 8333"/>
-              <a:gd name="adj2" fmla="val 49441"/>
-            </a:avLst>
-          </a:prstGeom>
-        </p:spPr>
-        <p:style>
-          <a:lnRef idx="1">
-            <a:schemeClr val="accent1"/>
-          </a:lnRef>
-          <a:fillRef idx="0">
-            <a:schemeClr val="accent1"/>
-          </a:fillRef>
-          <a:effectRef idx="0">
-            <a:schemeClr val="accent1"/>
-          </a:effectRef>
-          <a:fontRef idx="minor">
-            <a:schemeClr val="tx1"/>
-          </a:fontRef>
-        </p:style>
-        <p:txBody>
-          <a:bodyPr rtlCol="0" anchor="ctr"/>
-          <a:lstStyle/>
-          <a:p>
-            <a:pPr algn="ctr"/>
-            <a:endParaRPr lang="en-US"/>
-          </a:p>
-        </p:txBody>
-      </p:sp>
-      <p:sp>
-        <p:nvSpPr>
-          <p:cNvPr id="15" name="Left Brace 14">
-            <a:extLst>
-              <a:ext uri="{FF2B5EF4-FFF2-40B4-BE49-F238E27FC236}">
-                <a16:creationId xmlns:a16="http://schemas.microsoft.com/office/drawing/2014/main" id="{4D3EBC64-F164-4199-816D-542146E2D913}"/>
-              </a:ext>
-            </a:extLst>
-          </p:cNvPr>
-          <p:cNvSpPr/>
-          <p:nvPr/>
-        </p:nvSpPr>
-        <p:spPr>
-          <a:xfrm rot="16200000">
-            <a:off x="2775024" y="2320502"/>
-            <a:ext cx="200814" cy="954745"/>
-          </a:xfrm>
-          <a:prstGeom prst="leftBrace">
-            <a:avLst>
-              <a:gd name="adj1" fmla="val 8333"/>
-              <a:gd name="adj2" fmla="val 49441"/>
-            </a:avLst>
-          </a:prstGeom>
-        </p:spPr>
-        <p:style>
-          <a:lnRef idx="1">
-            <a:schemeClr val="accent1"/>
-          </a:lnRef>
-          <a:fillRef idx="0">
-            <a:schemeClr val="accent1"/>
-          </a:fillRef>
-          <a:effectRef idx="0">
-            <a:schemeClr val="accent1"/>
-          </a:effectRef>
-          <a:fontRef idx="minor">
-            <a:schemeClr val="tx1"/>
-          </a:fontRef>
-        </p:style>
-        <p:txBody>
-          <a:bodyPr rtlCol="0" anchor="ctr"/>
-          <a:lstStyle/>
-          <a:p>
-            <a:pPr algn="ctr"/>
-            <a:endParaRPr lang="en-US"/>
-          </a:p>
-        </p:txBody>
-      </p:sp>
-      <p:sp>
-        <p:nvSpPr>
-          <p:cNvPr id="16" name="Left Brace 15">
-            <a:extLst>
-              <a:ext uri="{FF2B5EF4-FFF2-40B4-BE49-F238E27FC236}">
-                <a16:creationId xmlns:a16="http://schemas.microsoft.com/office/drawing/2014/main" id="{E40638FD-3A1D-42C1-8F9A-9A0660767B3C}"/>
-              </a:ext>
-            </a:extLst>
-          </p:cNvPr>
-          <p:cNvSpPr/>
-          <p:nvPr/>
-        </p:nvSpPr>
-        <p:spPr>
-          <a:xfrm rot="16200000">
-            <a:off x="3310662" y="2948012"/>
-            <a:ext cx="200814" cy="954745"/>
-          </a:xfrm>
-          <a:prstGeom prst="leftBrace">
-            <a:avLst>
-              <a:gd name="adj1" fmla="val 8333"/>
-              <a:gd name="adj2" fmla="val 49441"/>
-            </a:avLst>
-          </a:prstGeom>
-        </p:spPr>
-        <p:style>
-          <a:lnRef idx="1">
-            <a:schemeClr val="accent1"/>
-          </a:lnRef>
-          <a:fillRef idx="0">
-            <a:schemeClr val="accent1"/>
-          </a:fillRef>
-          <a:effectRef idx="0">
-            <a:schemeClr val="accent1"/>
-          </a:effectRef>
-          <a:fontRef idx="minor">
-            <a:schemeClr val="tx1"/>
-          </a:fontRef>
-        </p:style>
-        <p:txBody>
-          <a:bodyPr rtlCol="0" anchor="ctr"/>
-          <a:lstStyle/>
-          <a:p>
-            <a:pPr algn="ctr"/>
-            <a:endParaRPr lang="en-US"/>
-          </a:p>
-        </p:txBody>
-      </p:sp>
-      <p:sp>
-        <p:nvSpPr>
-          <p:cNvPr id="17" name="Left Brace 16">
-            <a:extLst>
-              <a:ext uri="{FF2B5EF4-FFF2-40B4-BE49-F238E27FC236}">
-                <a16:creationId xmlns:a16="http://schemas.microsoft.com/office/drawing/2014/main" id="{9E0E42B2-E6B3-433F-ADC0-D344027CBF48}"/>
-              </a:ext>
-            </a:extLst>
-          </p:cNvPr>
-          <p:cNvSpPr/>
-          <p:nvPr/>
-        </p:nvSpPr>
-        <p:spPr>
-          <a:xfrm rot="16200000">
-            <a:off x="3788034" y="3546849"/>
-            <a:ext cx="200814" cy="954745"/>
-          </a:xfrm>
-          <a:prstGeom prst="leftBrace">
-            <a:avLst>
-              <a:gd name="adj1" fmla="val 8333"/>
-              <a:gd name="adj2" fmla="val 49441"/>
-            </a:avLst>
-          </a:prstGeom>
-        </p:spPr>
-        <p:style>
-          <a:lnRef idx="1">
-            <a:schemeClr val="accent1"/>
-          </a:lnRef>
-          <a:fillRef idx="0">
-            <a:schemeClr val="accent1"/>
-          </a:fillRef>
-          <a:effectRef idx="0">
-            <a:schemeClr val="accent1"/>
-          </a:effectRef>
-          <a:fontRef idx="minor">
-            <a:schemeClr val="tx1"/>
-          </a:fontRef>
-        </p:style>
-        <p:txBody>
-          <a:bodyPr rtlCol="0" anchor="ctr"/>
-          <a:lstStyle/>
-          <a:p>
-            <a:pPr algn="ctr"/>
-            <a:endParaRPr lang="en-US"/>
-          </a:p>
-        </p:txBody>
-      </p:sp>
-      <p:sp>
-        <p:nvSpPr>
-          <p:cNvPr id="21" name="Left Brace 20">
-            <a:extLst>
-              <a:ext uri="{FF2B5EF4-FFF2-40B4-BE49-F238E27FC236}">
-                <a16:creationId xmlns:a16="http://schemas.microsoft.com/office/drawing/2014/main" id="{97F5DC1A-CAA6-43DB-8BED-A6FB2925B15B}"/>
-              </a:ext>
-            </a:extLst>
-          </p:cNvPr>
-          <p:cNvSpPr/>
-          <p:nvPr/>
-        </p:nvSpPr>
-        <p:spPr>
-          <a:xfrm rot="16200000">
-            <a:off x="5372548" y="5898315"/>
-            <a:ext cx="200814" cy="954745"/>
-          </a:xfrm>
-          <a:prstGeom prst="leftBrace">
-            <a:avLst>
-              <a:gd name="adj1" fmla="val 8333"/>
-              <a:gd name="adj2" fmla="val 49441"/>
-            </a:avLst>
-          </a:prstGeom>
-        </p:spPr>
-        <p:style>
-          <a:lnRef idx="1">
-            <a:schemeClr val="accent1"/>
-          </a:lnRef>
-          <a:fillRef idx="0">
-            <a:schemeClr val="accent1"/>
-          </a:fillRef>
-          <a:effectRef idx="0">
-            <a:schemeClr val="accent1"/>
-          </a:effectRef>
-          <a:fontRef idx="minor">
-            <a:schemeClr val="tx1"/>
-          </a:fontRef>
-        </p:style>
-        <p:txBody>
-          <a:bodyPr rtlCol="0" anchor="ctr"/>
-          <a:lstStyle/>
-          <a:p>
-            <a:pPr algn="ctr"/>
-            <a:endParaRPr lang="en-US"/>
-          </a:p>
-        </p:txBody>
-      </p:sp>
-      <p:sp>
-        <p:nvSpPr>
-          <p:cNvPr id="22" name="TextBox 21">
-            <a:extLst>
-              <a:ext uri="{FF2B5EF4-FFF2-40B4-BE49-F238E27FC236}">
-                <a16:creationId xmlns:a16="http://schemas.microsoft.com/office/drawing/2014/main" id="{8F82CC83-3FC4-4F01-BC4C-EEC5115054F6}"/>
-              </a:ext>
-            </a:extLst>
-          </p:cNvPr>
-          <p:cNvSpPr txBox="1"/>
-          <p:nvPr/>
-        </p:nvSpPr>
-        <p:spPr>
-          <a:xfrm>
-            <a:off x="3778621" y="4124629"/>
-            <a:ext cx="486331" cy="369332"/>
-          </a:xfrm>
-          <a:prstGeom prst="rect">
-            <a:avLst/>
-          </a:prstGeom>
-          <a:noFill/>
-        </p:spPr>
-        <p:txBody>
-          <a:bodyPr wrap="square" rtlCol="0">
-            <a:spAutoFit/>
-          </a:bodyPr>
-          <a:lstStyle/>
-          <a:p>
-            <a:r>
-              <a:rPr lang="en-US" dirty="0"/>
-              <a:t>0</a:t>
-            </a:r>
-          </a:p>
-        </p:txBody>
-      </p:sp>
-      <p:pic>
-        <p:nvPicPr>
-          <p:cNvPr id="26" name="Picture 25">
-            <a:extLst>
-              <a:ext uri="{FF2B5EF4-FFF2-40B4-BE49-F238E27FC236}">
-                <a16:creationId xmlns:a16="http://schemas.microsoft.com/office/drawing/2014/main" id="{4A5B6D79-8E36-41EE-A505-C75EE3F46A38}"/>
-              </a:ext>
-            </a:extLst>
-          </p:cNvPr>
-          <p:cNvPicPr>
-            <a:picLocks noChangeAspect="1"/>
-          </p:cNvPicPr>
-          <p:nvPr/>
-        </p:nvPicPr>
-        <p:blipFill>
-          <a:blip r:embed="rId2"/>
-          <a:stretch>
-            <a:fillRect/>
-          </a:stretch>
-        </p:blipFill>
-        <p:spPr>
-          <a:xfrm>
-            <a:off x="7088732" y="3751165"/>
-            <a:ext cx="3751065" cy="2568911"/>
-          </a:xfrm>
-          <a:prstGeom prst="rect">
-            <a:avLst/>
-          </a:prstGeom>
-        </p:spPr>
-      </p:pic>
-      <p:pic>
-        <p:nvPicPr>
-          <p:cNvPr id="28" name="Picture 27">
-            <a:extLst>
-              <a:ext uri="{FF2B5EF4-FFF2-40B4-BE49-F238E27FC236}">
-                <a16:creationId xmlns:a16="http://schemas.microsoft.com/office/drawing/2014/main" id="{587F5539-65E2-4383-829C-7F85A8FB3B01}"/>
-              </a:ext>
-            </a:extLst>
-          </p:cNvPr>
-          <p:cNvPicPr>
-            <a:picLocks noChangeAspect="1"/>
-          </p:cNvPicPr>
-          <p:nvPr/>
-        </p:nvPicPr>
-        <p:blipFill>
-          <a:blip r:embed="rId3"/>
-          <a:stretch>
-            <a:fillRect/>
-          </a:stretch>
-        </p:blipFill>
-        <p:spPr>
-          <a:xfrm>
-            <a:off x="7284583" y="102870"/>
-            <a:ext cx="3555214" cy="3468077"/>
-          </a:xfrm>
-          <a:prstGeom prst="rect">
-            <a:avLst/>
-          </a:prstGeom>
-        </p:spPr>
-      </p:pic>
-    </p:spTree>
-    <p:extLst>
-      <p:ext uri="{BB962C8B-B14F-4D97-AF65-F5344CB8AC3E}">
-        <p14:creationId xmlns:p14="http://schemas.microsoft.com/office/powerpoint/2010/main" val="2274152424"/>
-      </p:ext>
-    </p:extLst>
-  </p:cSld>
-  <p:clrMapOvr>
-    <a:masterClrMapping/>
-  </p:clrMapOvr>
-</p:sld>
-</file>
-
-<file path=ppt/slides/slide5.xml><?xml version="1.0" encoding="utf-8"?>
-<p:sld xmlns:a="http://schemas.openxmlformats.org/drawingml/2006/main" xmlns:r="http://schemas.openxmlformats.org/officeDocument/2006/relationships" xmlns:p="http://schemas.openxmlformats.org/presentationml/2006/main">
-  <p:cSld>
-    <p:spTree>
-      <p:nvGrpSpPr>
-        <p:cNvPr id="1" name=""/>
-        <p:cNvGrpSpPr/>
-        <p:nvPr/>
-      </p:nvGrpSpPr>
-      <p:grpSpPr>
-        <a:xfrm>
-          <a:off x="0" y="0"/>
-          <a:ext cx="0" cy="0"/>
-          <a:chOff x="0" y="0"/>
-          <a:chExt cx="0" cy="0"/>
-        </a:xfrm>
-      </p:grpSpPr>
-      <p:sp>
-        <p:nvSpPr>
-          <p:cNvPr id="2" name="TextBox 1">
-            <a:extLst>
-              <a:ext uri="{FF2B5EF4-FFF2-40B4-BE49-F238E27FC236}">
-                <a16:creationId xmlns:a16="http://schemas.microsoft.com/office/drawing/2014/main" id="{3F8B8FCA-C03A-4359-8BF4-39F0C900324D}"/>
-              </a:ext>
-            </a:extLst>
-          </p:cNvPr>
-          <p:cNvSpPr txBox="1"/>
-          <p:nvPr/>
-        </p:nvSpPr>
-        <p:spPr>
-          <a:xfrm>
-            <a:off x="1573306" y="2416842"/>
-            <a:ext cx="9045388" cy="1107996"/>
-          </a:xfrm>
-          <a:prstGeom prst="rect">
-            <a:avLst/>
-          </a:prstGeom>
-          <a:noFill/>
-        </p:spPr>
-        <p:txBody>
-          <a:bodyPr wrap="square" rtlCol="0">
-            <a:spAutoFit/>
-          </a:bodyPr>
-          <a:lstStyle/>
-          <a:p>
-            <a:endParaRPr lang="en-US" sz="6600" dirty="0"/>
-          </a:p>
-        </p:txBody>
-      </p:sp>
-      <p:sp>
-        <p:nvSpPr>
-          <p:cNvPr id="4" name="TextBox 3">
-            <a:extLst>
-              <a:ext uri="{FF2B5EF4-FFF2-40B4-BE49-F238E27FC236}">
-                <a16:creationId xmlns:a16="http://schemas.microsoft.com/office/drawing/2014/main" id="{1C02CC74-250D-46EC-8628-24C528F9E1A5}"/>
-              </a:ext>
-            </a:extLst>
-          </p:cNvPr>
-          <p:cNvSpPr txBox="1"/>
-          <p:nvPr/>
-        </p:nvSpPr>
-        <p:spPr>
-          <a:xfrm>
-            <a:off x="959370" y="404734"/>
-            <a:ext cx="10273260" cy="4801314"/>
-          </a:xfrm>
-          <a:prstGeom prst="rect">
-            <a:avLst/>
-          </a:prstGeom>
-          <a:noFill/>
-        </p:spPr>
-        <p:txBody>
-          <a:bodyPr wrap="square" rtlCol="0">
-            <a:spAutoFit/>
-          </a:bodyPr>
-          <a:lstStyle/>
-          <a:p>
-            <a:r>
-              <a:rPr lang="en-US" dirty="0"/>
-              <a:t>PROGRAM : Study plan generator </a:t>
-            </a:r>
-          </a:p>
-          <a:p>
-            <a:r>
-              <a:rPr lang="en-US" dirty="0"/>
-              <a:t>	DISPLAY “welcome to the study plan generator”</a:t>
-            </a:r>
-          </a:p>
-          <a:p>
-            <a:r>
-              <a:rPr lang="en-US" dirty="0"/>
-              <a:t>	DISPLAY “</a:t>
-            </a:r>
-            <a:r>
-              <a:rPr lang="en-US" sz="1800" dirty="0">
-                <a:solidFill>
-                  <a:srgbClr val="191919"/>
-                </a:solidFill>
-                <a:effectLst/>
-              </a:rPr>
-              <a:t>Tips : You must Hit Enter after each data entry”</a:t>
-            </a:r>
-          </a:p>
-          <a:p>
-            <a:r>
-              <a:rPr lang="en-US" dirty="0">
-                <a:solidFill>
-                  <a:srgbClr val="191919"/>
-                </a:solidFill>
-              </a:rPr>
-              <a:t>	READ</a:t>
-            </a:r>
-          </a:p>
-          <a:p>
-            <a:r>
-              <a:rPr lang="en-US" dirty="0">
-                <a:solidFill>
-                  <a:srgbClr val="191919"/>
-                </a:solidFill>
-              </a:rPr>
-              <a:t>		z = 0, C =0, tH = 0, </a:t>
-            </a:r>
-            <a:r>
-              <a:rPr lang="en-US" dirty="0" err="1">
-                <a:solidFill>
-                  <a:srgbClr val="191919"/>
-                </a:solidFill>
-              </a:rPr>
-              <a:t>modCount</a:t>
-            </a:r>
-            <a:r>
-              <a:rPr lang="en-US" dirty="0">
-                <a:solidFill>
-                  <a:srgbClr val="191919"/>
-                </a:solidFill>
-              </a:rPr>
-              <a:t> = 1</a:t>
-            </a:r>
-          </a:p>
-          <a:p>
-            <a:r>
-              <a:rPr lang="en-US" sz="1800" dirty="0">
-                <a:solidFill>
-                  <a:srgbClr val="191919"/>
-                </a:solidFill>
-                <a:effectLst/>
-              </a:rPr>
-              <a:t>	</a:t>
-            </a:r>
-            <a:r>
-              <a:rPr lang="en-US" dirty="0">
-                <a:solidFill>
-                  <a:srgbClr val="191919"/>
-                </a:solidFill>
-              </a:rPr>
-              <a:t>DO </a:t>
-            </a:r>
-          </a:p>
-          <a:p>
-            <a:r>
-              <a:rPr lang="en-US" dirty="0">
-                <a:solidFill>
-                  <a:srgbClr val="191919"/>
-                </a:solidFill>
-              </a:rPr>
-              <a:t>		</a:t>
-            </a:r>
-          </a:p>
-          <a:p>
-            <a:endParaRPr lang="en-US" dirty="0">
-              <a:solidFill>
-                <a:srgbClr val="191919"/>
-              </a:solidFill>
-            </a:endParaRPr>
-          </a:p>
-          <a:p>
-            <a:endParaRPr lang="en-US" dirty="0">
-              <a:solidFill>
-                <a:srgbClr val="191919"/>
-              </a:solidFill>
-            </a:endParaRPr>
-          </a:p>
-          <a:p>
-            <a:endParaRPr lang="en-US" dirty="0">
-              <a:solidFill>
-                <a:srgbClr val="191919"/>
-              </a:solidFill>
-            </a:endParaRPr>
-          </a:p>
-          <a:p>
-            <a:endParaRPr lang="en-US" dirty="0">
-              <a:solidFill>
-                <a:srgbClr val="191919"/>
-              </a:solidFill>
-            </a:endParaRPr>
-          </a:p>
-          <a:p>
-            <a:endParaRPr lang="en-US" dirty="0">
-              <a:solidFill>
-                <a:srgbClr val="191919"/>
-              </a:solidFill>
-            </a:endParaRPr>
-          </a:p>
-          <a:p>
-            <a:r>
-              <a:rPr lang="en-US" dirty="0">
-                <a:solidFill>
-                  <a:srgbClr val="191919"/>
-                </a:solidFill>
-              </a:rPr>
-              <a:t>	WHILE input = y or Y</a:t>
-            </a:r>
-          </a:p>
-          <a:p>
-            <a:r>
-              <a:rPr lang="en-US" dirty="0">
-                <a:solidFill>
-                  <a:srgbClr val="191919"/>
-                </a:solidFill>
-              </a:rPr>
-              <a:t>							</a:t>
-            </a:r>
-          </a:p>
-          <a:p>
-            <a:r>
-              <a:rPr lang="en-US" sz="1800" dirty="0">
-                <a:solidFill>
-                  <a:srgbClr val="191919"/>
-                </a:solidFill>
-                <a:effectLst/>
-              </a:rPr>
-              <a:t>	</a:t>
-            </a:r>
-          </a:p>
-          <a:p>
-            <a:r>
-              <a:rPr lang="en-US" dirty="0">
-                <a:solidFill>
-                  <a:srgbClr val="191919"/>
-                </a:solidFill>
-              </a:rPr>
-              <a:t>	</a:t>
-            </a:r>
-            <a:endParaRPr lang="en-US" dirty="0"/>
-          </a:p>
-          <a:p>
-            <a:r>
-              <a:rPr lang="en-US" dirty="0"/>
-              <a:t>		</a:t>
-            </a:r>
-          </a:p>
-        </p:txBody>
-      </p:sp>
-    </p:spTree>
-    <p:extLst>
-      <p:ext uri="{BB962C8B-B14F-4D97-AF65-F5344CB8AC3E}">
-        <p14:creationId xmlns:p14="http://schemas.microsoft.com/office/powerpoint/2010/main" val="4214601955"/>
-      </p:ext>
-    </p:extLst>
-  </p:cSld>
-  <p:clrMapOvr>
-    <a:masterClrMapping/>
-  </p:clrMapOvr>
-</p:sld>
-</file>
-
-<file path=ppt/slides/slide6.xml><?xml version="1.0" encoding="utf-8"?>
-<p:sld xmlns:a="http://schemas.openxmlformats.org/drawingml/2006/main" xmlns:r="http://schemas.openxmlformats.org/officeDocument/2006/relationships" xmlns:p="http://schemas.openxmlformats.org/presentationml/2006/main">
-  <p:cSld>
-    <p:spTree>
-      <p:nvGrpSpPr>
-        <p:cNvPr id="1" name=""/>
-        <p:cNvGrpSpPr/>
-        <p:nvPr/>
-      </p:nvGrpSpPr>
-      <p:grpSpPr>
-        <a:xfrm>
-          <a:off x="0" y="0"/>
-          <a:ext cx="0" cy="0"/>
-          <a:chOff x="0" y="0"/>
-          <a:chExt cx="0" cy="0"/>
-        </a:xfrm>
-      </p:grpSpPr>
-      <p:pic>
-        <p:nvPicPr>
-          <p:cNvPr id="3" name="Picture 2">
-            <a:extLst>
-              <a:ext uri="{FF2B5EF4-FFF2-40B4-BE49-F238E27FC236}">
-                <a16:creationId xmlns:a16="http://schemas.microsoft.com/office/drawing/2014/main" id="{35E39549-C0CE-4646-AC64-E86A0FFB6448}"/>
-              </a:ext>
-            </a:extLst>
-          </p:cNvPr>
-          <p:cNvPicPr>
-            <a:picLocks noChangeAspect="1"/>
-          </p:cNvPicPr>
-          <p:nvPr/>
-        </p:nvPicPr>
-        <p:blipFill>
-          <a:blip r:embed="rId2"/>
-          <a:stretch>
-            <a:fillRect/>
-          </a:stretch>
-        </p:blipFill>
-        <p:spPr>
-          <a:xfrm>
-            <a:off x="6323689" y="2021840"/>
-            <a:ext cx="5593356" cy="3251640"/>
-          </a:xfrm>
-          <a:prstGeom prst="rect">
-            <a:avLst/>
-          </a:prstGeom>
-        </p:spPr>
-      </p:pic>
-      <p:pic>
-        <p:nvPicPr>
-          <p:cNvPr id="5" name="Picture 4">
-            <a:extLst>
-              <a:ext uri="{FF2B5EF4-FFF2-40B4-BE49-F238E27FC236}">
-                <a16:creationId xmlns:a16="http://schemas.microsoft.com/office/drawing/2014/main" id="{6691F2E1-D148-48A8-87F9-5114ADA9B525}"/>
-              </a:ext>
-            </a:extLst>
-          </p:cNvPr>
-          <p:cNvPicPr>
-            <a:picLocks noChangeAspect="1"/>
-          </p:cNvPicPr>
-          <p:nvPr/>
-        </p:nvPicPr>
-        <p:blipFill>
-          <a:blip r:embed="rId3"/>
-          <a:stretch>
-            <a:fillRect/>
-          </a:stretch>
-        </p:blipFill>
-        <p:spPr>
-          <a:xfrm>
-            <a:off x="447675" y="2021840"/>
-            <a:ext cx="5777775" cy="3106493"/>
-          </a:xfrm>
-          <a:prstGeom prst="rect">
-            <a:avLst/>
-          </a:prstGeom>
-        </p:spPr>
-      </p:pic>
-    </p:spTree>
-    <p:extLst>
-      <p:ext uri="{BB962C8B-B14F-4D97-AF65-F5344CB8AC3E}">
-        <p14:creationId xmlns:p14="http://schemas.microsoft.com/office/powerpoint/2010/main" val="3238608091"/>
       </p:ext>
     </p:extLst>
   </p:cSld>

--- a/Basic flow.pptx
+++ b/Basic flow.pptx
@@ -260,7 +260,7 @@
           <a:p>
             <a:fld id="{0D6B80C9-3EC0-4688-ABAD-E53253DF7D1F}" type="datetimeFigureOut">
               <a:rPr lang="en-US" smtClean="0"/>
-              <a:t>2022-07-19</a:t>
+              <a:t>2022-07-28</a:t>
             </a:fld>
             <a:endParaRPr lang="en-US"/>
           </a:p>
@@ -458,7 +458,7 @@
           <a:p>
             <a:fld id="{0D6B80C9-3EC0-4688-ABAD-E53253DF7D1F}" type="datetimeFigureOut">
               <a:rPr lang="en-US" smtClean="0"/>
-              <a:t>2022-07-19</a:t>
+              <a:t>2022-07-28</a:t>
             </a:fld>
             <a:endParaRPr lang="en-US"/>
           </a:p>
@@ -666,7 +666,7 @@
           <a:p>
             <a:fld id="{0D6B80C9-3EC0-4688-ABAD-E53253DF7D1F}" type="datetimeFigureOut">
               <a:rPr lang="en-US" smtClean="0"/>
-              <a:t>2022-07-19</a:t>
+              <a:t>2022-07-28</a:t>
             </a:fld>
             <a:endParaRPr lang="en-US"/>
           </a:p>
@@ -864,7 +864,7 @@
           <a:p>
             <a:fld id="{0D6B80C9-3EC0-4688-ABAD-E53253DF7D1F}" type="datetimeFigureOut">
               <a:rPr lang="en-US" smtClean="0"/>
-              <a:t>2022-07-19</a:t>
+              <a:t>2022-07-28</a:t>
             </a:fld>
             <a:endParaRPr lang="en-US"/>
           </a:p>
@@ -1139,7 +1139,7 @@
           <a:p>
             <a:fld id="{0D6B80C9-3EC0-4688-ABAD-E53253DF7D1F}" type="datetimeFigureOut">
               <a:rPr lang="en-US" smtClean="0"/>
-              <a:t>2022-07-19</a:t>
+              <a:t>2022-07-28</a:t>
             </a:fld>
             <a:endParaRPr lang="en-US"/>
           </a:p>
@@ -1404,7 +1404,7 @@
           <a:p>
             <a:fld id="{0D6B80C9-3EC0-4688-ABAD-E53253DF7D1F}" type="datetimeFigureOut">
               <a:rPr lang="en-US" smtClean="0"/>
-              <a:t>2022-07-19</a:t>
+              <a:t>2022-07-28</a:t>
             </a:fld>
             <a:endParaRPr lang="en-US"/>
           </a:p>
@@ -1816,7 +1816,7 @@
           <a:p>
             <a:fld id="{0D6B80C9-3EC0-4688-ABAD-E53253DF7D1F}" type="datetimeFigureOut">
               <a:rPr lang="en-US" smtClean="0"/>
-              <a:t>2022-07-19</a:t>
+              <a:t>2022-07-28</a:t>
             </a:fld>
             <a:endParaRPr lang="en-US"/>
           </a:p>
@@ -1957,7 +1957,7 @@
           <a:p>
             <a:fld id="{0D6B80C9-3EC0-4688-ABAD-E53253DF7D1F}" type="datetimeFigureOut">
               <a:rPr lang="en-US" smtClean="0"/>
-              <a:t>2022-07-19</a:t>
+              <a:t>2022-07-28</a:t>
             </a:fld>
             <a:endParaRPr lang="en-US"/>
           </a:p>
@@ -2070,7 +2070,7 @@
           <a:p>
             <a:fld id="{0D6B80C9-3EC0-4688-ABAD-E53253DF7D1F}" type="datetimeFigureOut">
               <a:rPr lang="en-US" smtClean="0"/>
-              <a:t>2022-07-19</a:t>
+              <a:t>2022-07-28</a:t>
             </a:fld>
             <a:endParaRPr lang="en-US"/>
           </a:p>
@@ -2381,7 +2381,7 @@
           <a:p>
             <a:fld id="{0D6B80C9-3EC0-4688-ABAD-E53253DF7D1F}" type="datetimeFigureOut">
               <a:rPr lang="en-US" smtClean="0"/>
-              <a:t>2022-07-19</a:t>
+              <a:t>2022-07-28</a:t>
             </a:fld>
             <a:endParaRPr lang="en-US"/>
           </a:p>
@@ -2669,7 +2669,7 @@
           <a:p>
             <a:fld id="{0D6B80C9-3EC0-4688-ABAD-E53253DF7D1F}" type="datetimeFigureOut">
               <a:rPr lang="en-US" smtClean="0"/>
-              <a:t>2022-07-19</a:t>
+              <a:t>2022-07-28</a:t>
             </a:fld>
             <a:endParaRPr lang="en-US"/>
           </a:p>
@@ -2910,7 +2910,7 @@
           <a:p>
             <a:fld id="{0D6B80C9-3EC0-4688-ABAD-E53253DF7D1F}" type="datetimeFigureOut">
               <a:rPr lang="en-US" smtClean="0"/>
-              <a:t>2022-07-19</a:t>
+              <a:t>2022-07-28</a:t>
             </a:fld>
             <a:endParaRPr lang="en-US"/>
           </a:p>
